--- a/PPT/테서렉트 이미지.pptx
+++ b/PPT/테서렉트 이미지.pptx
@@ -109,6 +109,11 @@
       </a:defRPr>
     </a:lvl9pPr>
   </p:defaultTextStyle>
+  <p:extLst>
+    <p:ext uri="{EFAFB233-063F-42B5-8137-9DF3F51BA10A}">
+      <p15:sldGuideLst xmlns:p15="http://schemas.microsoft.com/office/powerpoint/2012/main"/>
+    </p:ext>
+  </p:extLst>
 </p:presentation>
 </file>
 
@@ -3961,8 +3966,8 @@
         </p:nvSpPr>
         <p:spPr>
           <a:xfrm rot="20811981">
-            <a:off x="698854" y="1240233"/>
-            <a:ext cx="7948010" cy="1200329"/>
+            <a:off x="386269" y="1240233"/>
+            <a:ext cx="8573181" cy="1200329"/>
           </a:xfrm>
           <a:prstGeom prst="rect">
             <a:avLst/>
@@ -3980,15 +3985,15 @@
                 <a:solidFill>
                   <a:srgbClr val="00B0F0"/>
                 </a:solidFill>
-                <a:latin typeface="구름 산스 700" pitchFamily="2" charset="-127"/>
-                <a:ea typeface="구름 산스 700" pitchFamily="2" charset="-127"/>
+                <a:latin typeface="궁서" panose="02030600000101010101" pitchFamily="18" charset="-127"/>
+                <a:ea typeface="궁서" panose="02030600000101010101" pitchFamily="18" charset="-127"/>
               </a:rPr>
               <a:t>우리</a:t>
             </a:r>
             <a:r>
               <a:rPr lang="en-US" altLang="ko-KR" sz="7200" dirty="0">
-                <a:latin typeface="구름 산스 700" pitchFamily="2" charset="-127"/>
-                <a:ea typeface="구름 산스 700" pitchFamily="2" charset="-127"/>
+                <a:latin typeface="궁서" panose="02030600000101010101" pitchFamily="18" charset="-127"/>
+                <a:ea typeface="궁서" panose="02030600000101010101" pitchFamily="18" charset="-127"/>
               </a:rPr>
               <a:t> </a:t>
             </a:r>
@@ -3997,15 +4002,15 @@
                 <a:solidFill>
                   <a:srgbClr val="0070C0"/>
                 </a:solidFill>
-                <a:latin typeface="구름 산스 700" pitchFamily="2" charset="-127"/>
-                <a:ea typeface="구름 산스 700" pitchFamily="2" charset="-127"/>
+                <a:latin typeface="궁서" panose="02030600000101010101" pitchFamily="18" charset="-127"/>
+                <a:ea typeface="궁서" panose="02030600000101010101" pitchFamily="18" charset="-127"/>
               </a:rPr>
               <a:t>FISA</a:t>
             </a:r>
             <a:r>
               <a:rPr lang="en-US" altLang="ko-KR" sz="7200" dirty="0">
-                <a:latin typeface="구름 산스 700" pitchFamily="2" charset="-127"/>
-                <a:ea typeface="구름 산스 700" pitchFamily="2" charset="-127"/>
+                <a:latin typeface="궁서" panose="02030600000101010101" pitchFamily="18" charset="-127"/>
+                <a:ea typeface="궁서" panose="02030600000101010101" pitchFamily="18" charset="-127"/>
               </a:rPr>
               <a:t> </a:t>
             </a:r>
@@ -4014,8 +4019,8 @@
                 <a:solidFill>
                   <a:srgbClr val="FF0000"/>
                 </a:solidFill>
-                <a:latin typeface="구름 산스 700" pitchFamily="2" charset="-127"/>
-                <a:ea typeface="구름 산스 700" pitchFamily="2" charset="-127"/>
+                <a:latin typeface="궁서" panose="02030600000101010101" pitchFamily="18" charset="-127"/>
+                <a:ea typeface="궁서" panose="02030600000101010101" pitchFamily="18" charset="-127"/>
               </a:rPr>
               <a:t>파이팅</a:t>
             </a:r>

--- a/PPT/테서렉트 이미지.pptx
+++ b/PPT/테서렉트 이미지.pptx
@@ -111,7 +111,18 @@
   </p:defaultTextStyle>
   <p:extLst>
     <p:ext uri="{EFAFB233-063F-42B5-8137-9DF3F51BA10A}">
-      <p15:sldGuideLst xmlns:p15="http://schemas.microsoft.com/office/powerpoint/2012/main"/>
+      <p15:sldGuideLst xmlns:p15="http://schemas.microsoft.com/office/powerpoint/2012/main">
+        <p15:guide id="1" orient="horz" pos="2160" userDrawn="1">
+          <p15:clr>
+            <a:srgbClr val="A4A3A4"/>
+          </p15:clr>
+        </p15:guide>
+        <p15:guide id="2" pos="3840" userDrawn="1">
+          <p15:clr>
+            <a:srgbClr val="A4A3A4"/>
+          </p15:clr>
+        </p15:guide>
+      </p15:sldGuideLst>
     </p:ext>
   </p:extLst>
 </p:presentation>
@@ -199,7 +210,7 @@
           <a:p>
             <a:fld id="{CFB4C9BE-28E3-4970-BDE8-18EC94944B6D}" type="datetimeFigureOut">
               <a:rPr lang="ko-KR" altLang="en-US" smtClean="0"/>
-              <a:t>2025-09-23</a:t>
+              <a:t>2025-09-24</a:t>
             </a:fld>
             <a:endParaRPr lang="ko-KR" altLang="en-US"/>
           </a:p>
@@ -613,7 +624,7 @@
           <a:p>
             <a:fld id="{E5C2A00D-C728-4746-993C-5E053463AFC5}" type="datetimeFigureOut">
               <a:rPr lang="ko-KR" altLang="en-US" smtClean="0"/>
-              <a:t>2025-09-23</a:t>
+              <a:t>2025-09-24</a:t>
             </a:fld>
             <a:endParaRPr lang="ko-KR" altLang="en-US"/>
           </a:p>
@@ -811,7 +822,7 @@
           <a:p>
             <a:fld id="{E5C2A00D-C728-4746-993C-5E053463AFC5}" type="datetimeFigureOut">
               <a:rPr lang="ko-KR" altLang="en-US" smtClean="0"/>
-              <a:t>2025-09-23</a:t>
+              <a:t>2025-09-24</a:t>
             </a:fld>
             <a:endParaRPr lang="ko-KR" altLang="en-US"/>
           </a:p>
@@ -1019,7 +1030,7 @@
           <a:p>
             <a:fld id="{E5C2A00D-C728-4746-993C-5E053463AFC5}" type="datetimeFigureOut">
               <a:rPr lang="ko-KR" altLang="en-US" smtClean="0"/>
-              <a:t>2025-09-23</a:t>
+              <a:t>2025-09-24</a:t>
             </a:fld>
             <a:endParaRPr lang="ko-KR" altLang="en-US"/>
           </a:p>
@@ -1217,7 +1228,7 @@
           <a:p>
             <a:fld id="{E5C2A00D-C728-4746-993C-5E053463AFC5}" type="datetimeFigureOut">
               <a:rPr lang="ko-KR" altLang="en-US" smtClean="0"/>
-              <a:t>2025-09-23</a:t>
+              <a:t>2025-09-24</a:t>
             </a:fld>
             <a:endParaRPr lang="ko-KR" altLang="en-US"/>
           </a:p>
@@ -1492,7 +1503,7 @@
           <a:p>
             <a:fld id="{E5C2A00D-C728-4746-993C-5E053463AFC5}" type="datetimeFigureOut">
               <a:rPr lang="ko-KR" altLang="en-US" smtClean="0"/>
-              <a:t>2025-09-23</a:t>
+              <a:t>2025-09-24</a:t>
             </a:fld>
             <a:endParaRPr lang="ko-KR" altLang="en-US"/>
           </a:p>
@@ -1757,7 +1768,7 @@
           <a:p>
             <a:fld id="{E5C2A00D-C728-4746-993C-5E053463AFC5}" type="datetimeFigureOut">
               <a:rPr lang="ko-KR" altLang="en-US" smtClean="0"/>
-              <a:t>2025-09-23</a:t>
+              <a:t>2025-09-24</a:t>
             </a:fld>
             <a:endParaRPr lang="ko-KR" altLang="en-US"/>
           </a:p>
@@ -2169,7 +2180,7 @@
           <a:p>
             <a:fld id="{E5C2A00D-C728-4746-993C-5E053463AFC5}" type="datetimeFigureOut">
               <a:rPr lang="ko-KR" altLang="en-US" smtClean="0"/>
-              <a:t>2025-09-23</a:t>
+              <a:t>2025-09-24</a:t>
             </a:fld>
             <a:endParaRPr lang="ko-KR" altLang="en-US"/>
           </a:p>
@@ -2310,7 +2321,7 @@
           <a:p>
             <a:fld id="{E5C2A00D-C728-4746-993C-5E053463AFC5}" type="datetimeFigureOut">
               <a:rPr lang="ko-KR" altLang="en-US" smtClean="0"/>
-              <a:t>2025-09-23</a:t>
+              <a:t>2025-09-24</a:t>
             </a:fld>
             <a:endParaRPr lang="ko-KR" altLang="en-US"/>
           </a:p>
@@ -2423,7 +2434,7 @@
           <a:p>
             <a:fld id="{E5C2A00D-C728-4746-993C-5E053463AFC5}" type="datetimeFigureOut">
               <a:rPr lang="ko-KR" altLang="en-US" smtClean="0"/>
-              <a:t>2025-09-23</a:t>
+              <a:t>2025-09-24</a:t>
             </a:fld>
             <a:endParaRPr lang="ko-KR" altLang="en-US"/>
           </a:p>
@@ -2734,7 +2745,7 @@
           <a:p>
             <a:fld id="{E5C2A00D-C728-4746-993C-5E053463AFC5}" type="datetimeFigureOut">
               <a:rPr lang="ko-KR" altLang="en-US" smtClean="0"/>
-              <a:t>2025-09-23</a:t>
+              <a:t>2025-09-24</a:t>
             </a:fld>
             <a:endParaRPr lang="ko-KR" altLang="en-US"/>
           </a:p>
@@ -3022,7 +3033,7 @@
           <a:p>
             <a:fld id="{E5C2A00D-C728-4746-993C-5E053463AFC5}" type="datetimeFigureOut">
               <a:rPr lang="ko-KR" altLang="en-US" smtClean="0"/>
-              <a:t>2025-09-23</a:t>
+              <a:t>2025-09-24</a:t>
             </a:fld>
             <a:endParaRPr lang="ko-KR" altLang="en-US"/>
           </a:p>
@@ -3263,7 +3274,7 @@
           <a:p>
             <a:fld id="{E5C2A00D-C728-4746-993C-5E053463AFC5}" type="datetimeFigureOut">
               <a:rPr lang="ko-KR" altLang="en-US" smtClean="0"/>
-              <a:t>2025-09-23</a:t>
+              <a:t>2025-09-24</a:t>
             </a:fld>
             <a:endParaRPr lang="ko-KR" altLang="en-US"/>
           </a:p>
@@ -3682,10 +3693,10 @@
       </p:grpSpPr>
       <p:sp>
         <p:nvSpPr>
-          <p:cNvPr id="2" name="TextBox 1">
-            <a:extLst>
-              <a:ext uri="{FF2B5EF4-FFF2-40B4-BE49-F238E27FC236}">
-                <a16:creationId xmlns:a16="http://schemas.microsoft.com/office/drawing/2014/main" id="{E613FED1-EDF4-52C6-B6DF-B02DC6BD9FD4}"/>
+          <p:cNvPr id="4" name="TextBox 3">
+            <a:extLst>
+              <a:ext uri="{FF2B5EF4-FFF2-40B4-BE49-F238E27FC236}">
+                <a16:creationId xmlns:a16="http://schemas.microsoft.com/office/drawing/2014/main" id="{02645002-801F-699E-C856-5A11BBA575AA}"/>
               </a:ext>
             </a:extLst>
           </p:cNvPr>
@@ -3694,8 +3705,8 @@
         </p:nvSpPr>
         <p:spPr>
           <a:xfrm>
-            <a:off x="506264" y="1481817"/>
-            <a:ext cx="11179471" cy="1107996"/>
+            <a:off x="340009" y="1097524"/>
+            <a:ext cx="11179471" cy="2123658"/>
           </a:xfrm>
           <a:prstGeom prst="rect">
             <a:avLst/>
@@ -3716,14 +3727,37 @@
               <a:t>Hello, How are you today?</a:t>
             </a:r>
           </a:p>
-        </p:txBody>
-      </p:sp>
-      <p:sp>
-        <p:nvSpPr>
-          <p:cNvPr id="3" name="TextBox 2">
-            <a:extLst>
-              <a:ext uri="{FF2B5EF4-FFF2-40B4-BE49-F238E27FC236}">
-                <a16:creationId xmlns:a16="http://schemas.microsoft.com/office/drawing/2014/main" id="{DEF85709-4BD3-9F4E-EE25-6873FD64E0BE}"/>
+          <a:p>
+            <a:r>
+              <a:rPr lang="en-US" altLang="ko-KR" sz="6600" dirty="0">
+                <a:latin typeface="구름 산스 700" pitchFamily="2" charset="-127"/>
+                <a:ea typeface="구름 산스 700" pitchFamily="2" charset="-127"/>
+              </a:rPr>
+              <a:t>I’m fine </a:t>
+            </a:r>
+            <a:r>
+              <a:rPr lang="en-US" altLang="ko-KR" sz="6600" dirty="0" err="1">
+                <a:latin typeface="구름 산스 700" pitchFamily="2" charset="-127"/>
+                <a:ea typeface="구름 산스 700" pitchFamily="2" charset="-127"/>
+              </a:rPr>
+              <a:t>thanky</a:t>
+            </a:r>
+            <a:r>
+              <a:rPr lang="en-US" altLang="ko-KR" sz="6600" dirty="0">
+                <a:latin typeface="구름 산스 700" pitchFamily="2" charset="-127"/>
+                <a:ea typeface="구름 산스 700" pitchFamily="2" charset="-127"/>
+              </a:rPr>
+              <a:t> &amp; you?</a:t>
+            </a:r>
+          </a:p>
+        </p:txBody>
+      </p:sp>
+      <p:sp>
+        <p:nvSpPr>
+          <p:cNvPr id="5" name="TextBox 4">
+            <a:extLst>
+              <a:ext uri="{FF2B5EF4-FFF2-40B4-BE49-F238E27FC236}">
+                <a16:creationId xmlns:a16="http://schemas.microsoft.com/office/drawing/2014/main" id="{50C0E4D4-94A2-FD12-3211-592A3F6F22C5}"/>
               </a:ext>
             </a:extLst>
           </p:cNvPr>
@@ -3732,8 +3766,8 @@
         </p:nvSpPr>
         <p:spPr>
           <a:xfrm>
-            <a:off x="3017978" y="4268188"/>
-            <a:ext cx="8667757" cy="1015663"/>
+            <a:off x="3729503" y="4455053"/>
+            <a:ext cx="8101705" cy="1107996"/>
           </a:xfrm>
           <a:prstGeom prst="rect">
             <a:avLst/>
@@ -3747,26 +3781,23 @@
           <a:lstStyle/>
           <a:p>
             <a:r>
-              <a:rPr lang="en-US" altLang="ko-KR" sz="6000" dirty="0">
+              <a:rPr lang="en-US" altLang="ko-KR" sz="6600" dirty="0">
                 <a:latin typeface="구름 산스 700" pitchFamily="2" charset="-127"/>
                 <a:ea typeface="구름 산스 700" pitchFamily="2" charset="-127"/>
               </a:rPr>
-              <a:t>I’m fine </a:t>
-            </a:r>
-            <a:r>
-              <a:rPr lang="en-US" altLang="ko-KR" sz="6000" dirty="0" err="1">
+              <a:t>Hi, there. I’m</a:t>
+            </a:r>
+            <a:r>
+              <a:rPr lang="ko-KR" altLang="en-US" sz="6600" dirty="0">
                 <a:latin typeface="구름 산스 700" pitchFamily="2" charset="-127"/>
                 <a:ea typeface="구름 산스 700" pitchFamily="2" charset="-127"/>
               </a:rPr>
-              <a:t>thanky</a:t>
-            </a:r>
-            <a:r>
-              <a:rPr lang="en-US" altLang="ko-KR" sz="6000" dirty="0">
-                <a:latin typeface="구름 산스 700" pitchFamily="2" charset="-127"/>
-                <a:ea typeface="구름 산스 700" pitchFamily="2" charset="-127"/>
-              </a:rPr>
-              <a:t> &amp; you?</a:t>
-            </a:r>
+              <a:t> 김성현</a:t>
+            </a:r>
+            <a:endParaRPr lang="en-US" altLang="ko-KR" sz="6600" dirty="0">
+              <a:latin typeface="구름 산스 700" pitchFamily="2" charset="-127"/>
+              <a:ea typeface="구름 산스 700" pitchFamily="2" charset="-127"/>
+            </a:endParaRPr>
           </a:p>
         </p:txBody>
       </p:sp>

--- a/PPT/테서렉트 이미지.pptx
+++ b/PPT/테서렉트 이미지.pptx
@@ -210,7 +210,7 @@
           <a:p>
             <a:fld id="{CFB4C9BE-28E3-4970-BDE8-18EC94944B6D}" type="datetimeFigureOut">
               <a:rPr lang="ko-KR" altLang="en-US" smtClean="0"/>
-              <a:t>2025-09-24</a:t>
+              <a:t>2025-09-25</a:t>
             </a:fld>
             <a:endParaRPr lang="ko-KR" altLang="en-US"/>
           </a:p>
@@ -624,7 +624,7 @@
           <a:p>
             <a:fld id="{E5C2A00D-C728-4746-993C-5E053463AFC5}" type="datetimeFigureOut">
               <a:rPr lang="ko-KR" altLang="en-US" smtClean="0"/>
-              <a:t>2025-09-24</a:t>
+              <a:t>2025-09-25</a:t>
             </a:fld>
             <a:endParaRPr lang="ko-KR" altLang="en-US"/>
           </a:p>
@@ -822,7 +822,7 @@
           <a:p>
             <a:fld id="{E5C2A00D-C728-4746-993C-5E053463AFC5}" type="datetimeFigureOut">
               <a:rPr lang="ko-KR" altLang="en-US" smtClean="0"/>
-              <a:t>2025-09-24</a:t>
+              <a:t>2025-09-25</a:t>
             </a:fld>
             <a:endParaRPr lang="ko-KR" altLang="en-US"/>
           </a:p>
@@ -1030,7 +1030,7 @@
           <a:p>
             <a:fld id="{E5C2A00D-C728-4746-993C-5E053463AFC5}" type="datetimeFigureOut">
               <a:rPr lang="ko-KR" altLang="en-US" smtClean="0"/>
-              <a:t>2025-09-24</a:t>
+              <a:t>2025-09-25</a:t>
             </a:fld>
             <a:endParaRPr lang="ko-KR" altLang="en-US"/>
           </a:p>
@@ -1228,7 +1228,7 @@
           <a:p>
             <a:fld id="{E5C2A00D-C728-4746-993C-5E053463AFC5}" type="datetimeFigureOut">
               <a:rPr lang="ko-KR" altLang="en-US" smtClean="0"/>
-              <a:t>2025-09-24</a:t>
+              <a:t>2025-09-25</a:t>
             </a:fld>
             <a:endParaRPr lang="ko-KR" altLang="en-US"/>
           </a:p>
@@ -1503,7 +1503,7 @@
           <a:p>
             <a:fld id="{E5C2A00D-C728-4746-993C-5E053463AFC5}" type="datetimeFigureOut">
               <a:rPr lang="ko-KR" altLang="en-US" smtClean="0"/>
-              <a:t>2025-09-24</a:t>
+              <a:t>2025-09-25</a:t>
             </a:fld>
             <a:endParaRPr lang="ko-KR" altLang="en-US"/>
           </a:p>
@@ -1768,7 +1768,7 @@
           <a:p>
             <a:fld id="{E5C2A00D-C728-4746-993C-5E053463AFC5}" type="datetimeFigureOut">
               <a:rPr lang="ko-KR" altLang="en-US" smtClean="0"/>
-              <a:t>2025-09-24</a:t>
+              <a:t>2025-09-25</a:t>
             </a:fld>
             <a:endParaRPr lang="ko-KR" altLang="en-US"/>
           </a:p>
@@ -2180,7 +2180,7 @@
           <a:p>
             <a:fld id="{E5C2A00D-C728-4746-993C-5E053463AFC5}" type="datetimeFigureOut">
               <a:rPr lang="ko-KR" altLang="en-US" smtClean="0"/>
-              <a:t>2025-09-24</a:t>
+              <a:t>2025-09-25</a:t>
             </a:fld>
             <a:endParaRPr lang="ko-KR" altLang="en-US"/>
           </a:p>
@@ -2321,7 +2321,7 @@
           <a:p>
             <a:fld id="{E5C2A00D-C728-4746-993C-5E053463AFC5}" type="datetimeFigureOut">
               <a:rPr lang="ko-KR" altLang="en-US" smtClean="0"/>
-              <a:t>2025-09-24</a:t>
+              <a:t>2025-09-25</a:t>
             </a:fld>
             <a:endParaRPr lang="ko-KR" altLang="en-US"/>
           </a:p>
@@ -2434,7 +2434,7 @@
           <a:p>
             <a:fld id="{E5C2A00D-C728-4746-993C-5E053463AFC5}" type="datetimeFigureOut">
               <a:rPr lang="ko-KR" altLang="en-US" smtClean="0"/>
-              <a:t>2025-09-24</a:t>
+              <a:t>2025-09-25</a:t>
             </a:fld>
             <a:endParaRPr lang="ko-KR" altLang="en-US"/>
           </a:p>
@@ -2745,7 +2745,7 @@
           <a:p>
             <a:fld id="{E5C2A00D-C728-4746-993C-5E053463AFC5}" type="datetimeFigureOut">
               <a:rPr lang="ko-KR" altLang="en-US" smtClean="0"/>
-              <a:t>2025-09-24</a:t>
+              <a:t>2025-09-25</a:t>
             </a:fld>
             <a:endParaRPr lang="ko-KR" altLang="en-US"/>
           </a:p>
@@ -3033,7 +3033,7 @@
           <a:p>
             <a:fld id="{E5C2A00D-C728-4746-993C-5E053463AFC5}" type="datetimeFigureOut">
               <a:rPr lang="ko-KR" altLang="en-US" smtClean="0"/>
-              <a:t>2025-09-24</a:t>
+              <a:t>2025-09-25</a:t>
             </a:fld>
             <a:endParaRPr lang="ko-KR" altLang="en-US"/>
           </a:p>
@@ -3274,7 +3274,7 @@
           <a:p>
             <a:fld id="{E5C2A00D-C728-4746-993C-5E053463AFC5}" type="datetimeFigureOut">
               <a:rPr lang="ko-KR" altLang="en-US" smtClean="0"/>
-              <a:t>2025-09-24</a:t>
+              <a:t>2025-09-25</a:t>
             </a:fld>
             <a:endParaRPr lang="ko-KR" altLang="en-US"/>
           </a:p>
@@ -3997,7 +3997,7 @@
         </p:nvSpPr>
         <p:spPr>
           <a:xfrm rot="20811981">
-            <a:off x="386269" y="1240233"/>
+            <a:off x="440698" y="1982261"/>
             <a:ext cx="8573181" cy="1200329"/>
           </a:xfrm>
           <a:prstGeom prst="rect">
@@ -4068,123 +4068,6 @@
           </a:p>
         </p:txBody>
       </p:sp>
-      <p:grpSp>
-        <p:nvGrpSpPr>
-          <p:cNvPr id="8" name="그룹 7">
-            <a:extLst>
-              <a:ext uri="{FF2B5EF4-FFF2-40B4-BE49-F238E27FC236}">
-                <a16:creationId xmlns:a16="http://schemas.microsoft.com/office/drawing/2014/main" id="{585C72F0-464D-E103-E53E-F16943116D8C}"/>
-              </a:ext>
-            </a:extLst>
-          </p:cNvPr>
-          <p:cNvGrpSpPr/>
-          <p:nvPr/>
-        </p:nvGrpSpPr>
-        <p:grpSpPr>
-          <a:xfrm>
-            <a:off x="6790827" y="2704198"/>
-            <a:ext cx="1603324" cy="2201975"/>
-            <a:chOff x="4687274" y="1688690"/>
-            <a:chExt cx="1603324" cy="2201975"/>
-          </a:xfrm>
-        </p:grpSpPr>
-        <p:pic>
-          <p:nvPicPr>
-            <p:cNvPr id="6" name="그림 5" descr="그림, 일러스트레이션, 만화 영화, 클립아트이(가) 표시된 사진&#10;&#10;AI 생성 콘텐츠는 정확하지 않을 수 있습니다.">
-              <a:extLst>
-                <a:ext uri="{FF2B5EF4-FFF2-40B4-BE49-F238E27FC236}">
-                  <a16:creationId xmlns:a16="http://schemas.microsoft.com/office/drawing/2014/main" id="{37B87A23-7BCA-B703-F627-8F50B8A3B6C0}"/>
-                </a:ext>
-              </a:extLst>
-            </p:cNvPr>
-            <p:cNvPicPr>
-              <a:picLocks noChangeAspect="1"/>
-            </p:cNvPicPr>
-            <p:nvPr/>
-          </p:nvPicPr>
-          <p:blipFill>
-            <a:blip r:embed="rId2">
-              <a:extLst>
-                <a:ext uri="{BEBA8EAE-BF5A-486C-A8C5-ECC9F3942E4B}">
-                  <a14:imgProps xmlns:a14="http://schemas.microsoft.com/office/drawing/2010/main">
-                    <a14:imgLayer r:embed="rId3">
-                      <a14:imgEffect>
-                        <a14:backgroundRemoval t="10000" b="90000" l="8416" r="92574">
-                          <a14:foregroundMark x1="52970" y1="84000" x2="52970" y2="84000"/>
-                          <a14:foregroundMark x1="53960" y1="87600" x2="53960" y2="87600"/>
-                          <a14:foregroundMark x1="85644" y1="72000" x2="85644" y2="72000"/>
-                          <a14:foregroundMark x1="84653" y1="69600" x2="84653" y2="69600"/>
-                          <a14:foregroundMark x1="93069" y1="69200" x2="93069" y2="69200"/>
-                          <a14:foregroundMark x1="8416" y1="38400" x2="8416" y2="38400"/>
-                          <a14:foregroundMark x1="44554" y1="27600" x2="44554" y2="27600"/>
-                          <a14:foregroundMark x1="60396" y1="26000" x2="60396" y2="26000"/>
-                        </a14:backgroundRemoval>
-                      </a14:imgEffect>
-                    </a14:imgLayer>
-                  </a14:imgProps>
-                </a:ext>
-                <a:ext uri="{28A0092B-C50C-407E-A947-70E740481C1C}">
-                  <a14:useLocalDpi xmlns:a14="http://schemas.microsoft.com/office/drawing/2010/main" val="0"/>
-                </a:ext>
-              </a:extLst>
-            </a:blip>
-            <a:stretch>
-              <a:fillRect/>
-            </a:stretch>
-          </p:blipFill>
-          <p:spPr>
-            <a:xfrm flipH="1">
-              <a:off x="4732847" y="1688690"/>
-              <a:ext cx="1512179" cy="1871509"/>
-            </a:xfrm>
-            <a:prstGeom prst="rect">
-              <a:avLst/>
-            </a:prstGeom>
-          </p:spPr>
-        </p:pic>
-        <p:sp>
-          <p:nvSpPr>
-            <p:cNvPr id="7" name="TextBox 6">
-              <a:extLst>
-                <a:ext uri="{FF2B5EF4-FFF2-40B4-BE49-F238E27FC236}">
-                  <a16:creationId xmlns:a16="http://schemas.microsoft.com/office/drawing/2014/main" id="{CB617D84-41F6-907D-E4C3-95B8EE012851}"/>
-                </a:ext>
-              </a:extLst>
-            </p:cNvPr>
-            <p:cNvSpPr txBox="1"/>
-            <p:nvPr/>
-          </p:nvSpPr>
-          <p:spPr>
-            <a:xfrm>
-              <a:off x="4687274" y="3429000"/>
-              <a:ext cx="1603324" cy="461665"/>
-            </a:xfrm>
-            <a:prstGeom prst="rect">
-              <a:avLst/>
-            </a:prstGeom>
-            <a:noFill/>
-          </p:spPr>
-          <p:txBody>
-            <a:bodyPr wrap="none" rtlCol="0">
-              <a:spAutoFit/>
-            </a:bodyPr>
-            <a:lstStyle/>
-            <a:p>
-              <a:r>
-                <a:rPr lang="en-US" altLang="ko-KR" sz="2400" dirty="0" err="1">
-                  <a:latin typeface="구름 산스 700" pitchFamily="2" charset="-127"/>
-                  <a:ea typeface="구름 산스 700" pitchFamily="2" charset="-127"/>
-                </a:rPr>
-                <a:t>Shinjjang</a:t>
-              </a:r>
-              <a:endParaRPr lang="ko-KR" altLang="en-US" sz="2400" dirty="0">
-                <a:latin typeface="구름 산스 700" pitchFamily="2" charset="-127"/>
-                <a:ea typeface="구름 산스 700" pitchFamily="2" charset="-127"/>
-              </a:endParaRPr>
-            </a:p>
-          </p:txBody>
-        </p:sp>
-      </p:grpSp>
       <p:sp>
         <p:nvSpPr>
           <p:cNvPr id="9" name="TextBox 8">
@@ -4199,7 +4082,7 @@
         </p:nvSpPr>
         <p:spPr>
           <a:xfrm>
-            <a:off x="9389499" y="508329"/>
+            <a:off x="9457824" y="508329"/>
             <a:ext cx="861774" cy="2920671"/>
           </a:xfrm>
           <a:prstGeom prst="rect">
@@ -4283,7 +4166,7 @@
         </p:nvSpPr>
         <p:spPr>
           <a:xfrm flipH="1" flipV="1">
-            <a:off x="3390456" y="4321397"/>
+            <a:off x="5926110" y="3433019"/>
             <a:ext cx="2564805" cy="707886"/>
           </a:xfrm>
           <a:prstGeom prst="rect">
@@ -4321,8 +4204,8 @@
         </p:nvSpPr>
         <p:spPr>
           <a:xfrm rot="2604893">
-            <a:off x="971880" y="4955370"/>
-            <a:ext cx="3157916" cy="707886"/>
+            <a:off x="3462295" y="4657556"/>
+            <a:ext cx="2165418" cy="707886"/>
           </a:xfrm>
           <a:prstGeom prst="rect">
             <a:avLst/>

--- a/PPT/테서렉트 이미지.pptx
+++ b/PPT/테서렉트 이미지.pptx
@@ -3996,8 +3996,8 @@
           <p:nvPr/>
         </p:nvSpPr>
         <p:spPr>
-          <a:xfrm rot="20811981">
-            <a:off x="440698" y="1982261"/>
+          <a:xfrm rot="21015236">
+            <a:off x="425212" y="1122694"/>
             <a:ext cx="8573181" cy="1200329"/>
           </a:xfrm>
           <a:prstGeom prst="rect">
@@ -4166,7 +4166,7 @@
         </p:nvSpPr>
         <p:spPr>
           <a:xfrm flipH="1" flipV="1">
-            <a:off x="5926110" y="3433019"/>
+            <a:off x="3831839" y="3685157"/>
             <a:ext cx="2564805" cy="707886"/>
           </a:xfrm>
           <a:prstGeom prst="rect">
@@ -4204,8 +4204,8 @@
         </p:nvSpPr>
         <p:spPr>
           <a:xfrm rot="2604893">
-            <a:off x="3462295" y="4657556"/>
-            <a:ext cx="2165418" cy="707886"/>
+            <a:off x="1296417" y="4434242"/>
+            <a:ext cx="2461674" cy="707886"/>
           </a:xfrm>
           <a:prstGeom prst="rect">
             <a:avLst/>
@@ -4224,6 +4224,61 @@
                 <a:ea typeface="구름 산스 700" pitchFamily="2" charset="-127"/>
               </a:rPr>
               <a:t>Rotation</a:t>
+            </a:r>
+          </a:p>
+        </p:txBody>
+      </p:sp>
+      <p:sp>
+        <p:nvSpPr>
+          <p:cNvPr id="2" name="직사각형 1">
+            <a:extLst>
+              <a:ext uri="{FF2B5EF4-FFF2-40B4-BE49-F238E27FC236}">
+                <a16:creationId xmlns:a16="http://schemas.microsoft.com/office/drawing/2014/main" id="{C1C8BD01-C3D9-F07B-CC41-A2377F9B65D0}"/>
+              </a:ext>
+            </a:extLst>
+          </p:cNvPr>
+          <p:cNvSpPr/>
+          <p:nvPr/>
+        </p:nvSpPr>
+        <p:spPr>
+          <a:xfrm>
+            <a:off x="7343797" y="4501790"/>
+            <a:ext cx="2123767" cy="1950497"/>
+          </a:xfrm>
+          <a:prstGeom prst="rect">
+            <a:avLst/>
+          </a:prstGeom>
+          <a:noFill/>
+        </p:spPr>
+        <p:txBody>
+          <a:bodyPr wrap="none" lIns="91440" tIns="45720" rIns="91440" bIns="45720">
+            <a:prstTxWarp prst="textArchUp">
+              <a:avLst/>
+            </a:prstTxWarp>
+            <a:spAutoFit/>
+            <a:scene3d>
+              <a:camera prst="orthographicFront"/>
+              <a:lightRig rig="soft" dir="t">
+                <a:rot lat="0" lon="0" rev="15600000"/>
+              </a:lightRig>
+            </a:scene3d>
+            <a:sp3d extrusionH="57150" prstMaterial="softEdge">
+              <a:bevelT w="25400" h="38100"/>
+            </a:sp3d>
+          </a:bodyPr>
+          <a:lstStyle/>
+          <a:p>
+            <a:pPr algn="ctr"/>
+            <a:r>
+              <a:rPr lang="en-US" altLang="ko-KR" sz="6000" b="1" cap="none" spc="0" dirty="0">
+                <a:ln/>
+                <a:solidFill>
+                  <a:schemeClr val="accent4"/>
+                </a:solidFill>
+                <a:latin typeface="CookieRun Regular" panose="020B0600000101010101" pitchFamily="50" charset="-127"/>
+                <a:ea typeface="CookieRun Regular" panose="020B0600000101010101" pitchFamily="50" charset="-127"/>
+              </a:rPr>
+              <a:t>Hello World!</a:t>
             </a:r>
           </a:p>
         </p:txBody>
